--- a/JDBC Criteria API.pptx
+++ b/JDBC Criteria API.pptx
@@ -4023,7 +4023,29 @@
           <a:p>
             <a:r>
               <a:rPr lang="ro-RO" dirty="0" smtClean="0"/>
-              <a:t>You can find a complete implementation of the code here:</a:t>
+              <a:t>You can find a complete implementation of the code here</a:t>
+            </a:r>
+            <a:r>
+              <a:rPr lang="ro-RO" dirty="0"/>
+              <a:t>: </a:t>
+            </a:r>
+            <a:r>
+              <a:rPr lang="ro-RO" dirty="0">
+                <a:hlinkClick r:id="rId2"/>
+              </a:rPr>
+              <a:t>https</a:t>
+            </a:r>
+            <a:r>
+              <a:rPr lang="ro-RO">
+                <a:hlinkClick r:id="rId2"/>
+              </a:rPr>
+              <a:t>://</a:t>
+            </a:r>
+            <a:r>
+              <a:rPr lang="ro-RO" smtClean="0">
+                <a:hlinkClick r:id="rId2"/>
+              </a:rPr>
+              <a:t>github.com/radu-ux/JDBC-Criteria-API.git</a:t>
             </a:r>
             <a:endParaRPr lang="ro-RO" dirty="0"/>
           </a:p>
@@ -4325,11 +4347,7 @@
           <a:p>
             <a:r>
               <a:rPr lang="ro-RO" dirty="0" smtClean="0"/>
-              <a:t>Concreate </a:t>
-            </a:r>
-            <a:r>
-              <a:rPr lang="ro-RO" dirty="0" smtClean="0"/>
-              <a:t>example</a:t>
+              <a:t>Concreate example</a:t>
             </a:r>
             <a:endParaRPr lang="ro-RO" dirty="0"/>
           </a:p>
@@ -4338,7 +4356,6 @@
               <a:rPr lang="ro-RO" dirty="0" smtClean="0"/>
               <a:t>References</a:t>
             </a:r>
-            <a:endParaRPr lang="ro-RO" dirty="0" smtClean="0"/>
           </a:p>
         </p:txBody>
       </p:sp>
